--- a/School/operation/AONAOA.pptx
+++ b/School/operation/AONAOA.pptx
@@ -9612,6 +9612,41 @@
           <a:xfrm flipV="1">
             <a:off x="3810000" y="4414882"/>
             <a:ext cx="1676400" cy="766718"/>
+          </a:xfrm>
+          <a:prstGeom prst="straightConnector1">
+            <a:avLst/>
+          </a:prstGeom>
+          <a:ln>
+            <a:tailEnd type="arrow"/>
+          </a:ln>
+        </p:spPr>
+        <p:style>
+          <a:lnRef idx="1">
+            <a:schemeClr val="accent1"/>
+          </a:lnRef>
+          <a:fillRef idx="0">
+            <a:schemeClr val="accent1"/>
+          </a:fillRef>
+          <a:effectRef idx="0">
+            <a:schemeClr val="accent1"/>
+          </a:effectRef>
+          <a:fontRef idx="minor">
+            <a:schemeClr val="tx1"/>
+          </a:fontRef>
+        </p:style>
+      </p:cxnSp>
+      <p:cxnSp>
+        <p:nvCxnSpPr>
+          <p:cNvPr id="94" name="Straight Arrow Connector 93"/>
+          <p:cNvCxnSpPr>
+            <a:stCxn id="6" idx="3"/>
+          </p:cNvCxnSpPr>
+          <p:nvPr/>
+        </p:nvCxnSpPr>
+        <p:spPr>
+          <a:xfrm>
+            <a:off x="6629400" y="4414882"/>
+            <a:ext cx="838200" cy="690518"/>
           </a:xfrm>
           <a:prstGeom prst="straightConnector1">
             <a:avLst/>

--- a/School/operation/AONAOA.pptx
+++ b/School/operation/AONAOA.pptx
@@ -291,7 +291,7 @@
             <a:fld id="{8065D10E-AD29-4CB6-A86D-68C5939BC829}" type="datetimeFigureOut">
               <a:rPr lang="en-US" smtClean="0"/>
               <a:pPr/>
-              <a:t>3/15/2011</a:t>
+              <a:t>3/16/2011</a:t>
             </a:fld>
             <a:endParaRPr lang="en-US"/>
           </a:p>
@@ -458,7 +458,7 @@
             <a:fld id="{8065D10E-AD29-4CB6-A86D-68C5939BC829}" type="datetimeFigureOut">
               <a:rPr lang="en-US" smtClean="0"/>
               <a:pPr/>
-              <a:t>3/15/2011</a:t>
+              <a:t>3/16/2011</a:t>
             </a:fld>
             <a:endParaRPr lang="en-US"/>
           </a:p>
@@ -635,7 +635,7 @@
             <a:fld id="{8065D10E-AD29-4CB6-A86D-68C5939BC829}" type="datetimeFigureOut">
               <a:rPr lang="en-US" smtClean="0"/>
               <a:pPr/>
-              <a:t>3/15/2011</a:t>
+              <a:t>3/16/2011</a:t>
             </a:fld>
             <a:endParaRPr lang="en-US"/>
           </a:p>
@@ -802,7 +802,7 @@
             <a:fld id="{8065D10E-AD29-4CB6-A86D-68C5939BC829}" type="datetimeFigureOut">
               <a:rPr lang="en-US" smtClean="0"/>
               <a:pPr/>
-              <a:t>3/15/2011</a:t>
+              <a:t>3/16/2011</a:t>
             </a:fld>
             <a:endParaRPr lang="en-US"/>
           </a:p>
@@ -1045,7 +1045,7 @@
             <a:fld id="{8065D10E-AD29-4CB6-A86D-68C5939BC829}" type="datetimeFigureOut">
               <a:rPr lang="en-US" smtClean="0"/>
               <a:pPr/>
-              <a:t>3/15/2011</a:t>
+              <a:t>3/16/2011</a:t>
             </a:fld>
             <a:endParaRPr lang="en-US"/>
           </a:p>
@@ -1330,7 +1330,7 @@
             <a:fld id="{8065D10E-AD29-4CB6-A86D-68C5939BC829}" type="datetimeFigureOut">
               <a:rPr lang="en-US" smtClean="0"/>
               <a:pPr/>
-              <a:t>3/15/2011</a:t>
+              <a:t>3/16/2011</a:t>
             </a:fld>
             <a:endParaRPr lang="en-US"/>
           </a:p>
@@ -1749,7 +1749,7 @@
             <a:fld id="{8065D10E-AD29-4CB6-A86D-68C5939BC829}" type="datetimeFigureOut">
               <a:rPr lang="en-US" smtClean="0"/>
               <a:pPr/>
-              <a:t>3/15/2011</a:t>
+              <a:t>3/16/2011</a:t>
             </a:fld>
             <a:endParaRPr lang="en-US"/>
           </a:p>
@@ -1864,7 +1864,7 @@
             <a:fld id="{8065D10E-AD29-4CB6-A86D-68C5939BC829}" type="datetimeFigureOut">
               <a:rPr lang="en-US" smtClean="0"/>
               <a:pPr/>
-              <a:t>3/15/2011</a:t>
+              <a:t>3/16/2011</a:t>
             </a:fld>
             <a:endParaRPr lang="en-US"/>
           </a:p>
@@ -1956,7 +1956,7 @@
             <a:fld id="{8065D10E-AD29-4CB6-A86D-68C5939BC829}" type="datetimeFigureOut">
               <a:rPr lang="en-US" smtClean="0"/>
               <a:pPr/>
-              <a:t>3/15/2011</a:t>
+              <a:t>3/16/2011</a:t>
             </a:fld>
             <a:endParaRPr lang="en-US"/>
           </a:p>
@@ -2230,7 +2230,7 @@
             <a:fld id="{8065D10E-AD29-4CB6-A86D-68C5939BC829}" type="datetimeFigureOut">
               <a:rPr lang="en-US" smtClean="0"/>
               <a:pPr/>
-              <a:t>3/15/2011</a:t>
+              <a:t>3/16/2011</a:t>
             </a:fld>
             <a:endParaRPr lang="en-US"/>
           </a:p>
@@ -2480,7 +2480,7 @@
             <a:fld id="{8065D10E-AD29-4CB6-A86D-68C5939BC829}" type="datetimeFigureOut">
               <a:rPr lang="en-US" smtClean="0"/>
               <a:pPr/>
-              <a:t>3/15/2011</a:t>
+              <a:t>3/16/2011</a:t>
             </a:fld>
             <a:endParaRPr lang="en-US"/>
           </a:p>
@@ -2690,7 +2690,7 @@
             <a:fld id="{8065D10E-AD29-4CB6-A86D-68C5939BC829}" type="datetimeFigureOut">
               <a:rPr lang="en-US" smtClean="0"/>
               <a:pPr/>
-              <a:t>3/15/2011</a:t>
+              <a:t>3/16/2011</a:t>
             </a:fld>
             <a:endParaRPr lang="en-US"/>
           </a:p>
@@ -6438,7 +6438,7 @@
         <p:spPr>
           <a:xfrm>
             <a:off x="6629400" y="228600"/>
-            <a:ext cx="2209800" cy="838200"/>
+            <a:ext cx="2209800" cy="914400"/>
           </a:xfrm>
           <a:prstGeom prst="rect">
             <a:avLst/>
@@ -6467,8 +6467,80 @@
           <a:bodyPr rtlCol="0" anchor="ctr"/>
           <a:lstStyle/>
           <a:p>
-            <a:pPr algn="ctr"/>
-            <a:endParaRPr lang="en-US"/>
+            <a:pPr algn="r" rtl="1"/>
+            <a:r>
+              <a:rPr lang="he-IL" sz="1000" b="1" u="sng" dirty="0" smtClean="0">
+                <a:solidFill>
+                  <a:schemeClr val="tx1"/>
+                </a:solidFill>
+              </a:rPr>
+              <a:t>סטנדרטים:</a:t>
+            </a:r>
+            <a:endParaRPr lang="en-US" sz="1000" b="1" u="sng" dirty="0" smtClean="0">
+              <a:solidFill>
+                <a:schemeClr val="tx1"/>
+              </a:solidFill>
+            </a:endParaRPr>
+          </a:p>
+          <a:p>
+            <a:pPr algn="r" rtl="1">
+              <a:buFont typeface="Arial" pitchFamily="34" charset="0"/>
+              <a:buChar char="•"/>
+            </a:pPr>
+            <a:r>
+              <a:rPr lang="he-IL" sz="1000" dirty="0" smtClean="0">
+                <a:solidFill>
+                  <a:schemeClr val="tx1"/>
+                </a:solidFill>
+              </a:rPr>
+              <a:t>לגבי קבלת הטבות ללקוחות</a:t>
+            </a:r>
+            <a:endParaRPr lang="en-US" sz="1000" dirty="0" smtClean="0">
+              <a:solidFill>
+                <a:schemeClr val="tx1"/>
+              </a:solidFill>
+            </a:endParaRPr>
+          </a:p>
+          <a:p>
+            <a:pPr algn="r" rtl="1">
+              <a:buFont typeface="Arial" pitchFamily="34" charset="0"/>
+              <a:buChar char="•"/>
+            </a:pPr>
+            <a:r>
+              <a:rPr lang="he-IL" sz="1000" dirty="0" smtClean="0">
+                <a:solidFill>
+                  <a:schemeClr val="tx1"/>
+                </a:solidFill>
+              </a:rPr>
+              <a:t>זמני עבודה בפרויקט</a:t>
+            </a:r>
+          </a:p>
+          <a:p>
+            <a:pPr algn="r" rtl="1">
+              <a:buFont typeface="Arial" pitchFamily="34" charset="0"/>
+              <a:buChar char="•"/>
+            </a:pPr>
+            <a:r>
+              <a:rPr lang="he-IL" sz="1000" dirty="0" smtClean="0">
+                <a:solidFill>
+                  <a:schemeClr val="tx1"/>
+                </a:solidFill>
+              </a:rPr>
+              <a:t>קריטריונים לשיבוץ </a:t>
+            </a:r>
+            <a:r>
+              <a:rPr lang="he-IL" sz="1000" dirty="0" smtClean="0">
+                <a:solidFill>
+                  <a:schemeClr val="tx1"/>
+                </a:solidFill>
+              </a:rPr>
+              <a:t>עובדים</a:t>
+            </a:r>
+            <a:endParaRPr lang="en-US" sz="1000" dirty="0">
+              <a:solidFill>
+                <a:schemeClr val="tx1"/>
+              </a:solidFill>
+            </a:endParaRPr>
           </a:p>
         </p:txBody>
       </p:sp>
@@ -6547,7 +6619,7 @@
         </p:nvSpPr>
         <p:spPr>
           <a:xfrm>
-            <a:off x="5486400" y="4114800"/>
+            <a:off x="5486400" y="3962400"/>
             <a:ext cx="1143000" cy="600164"/>
           </a:xfrm>
           <a:prstGeom prst="rect">
@@ -6619,7 +6691,7 @@
         </p:nvSpPr>
         <p:spPr>
           <a:xfrm>
-            <a:off x="5410200" y="5715000"/>
+            <a:off x="5486400" y="5791200"/>
             <a:ext cx="685800" cy="461665"/>
           </a:xfrm>
           <a:prstGeom prst="rect">
@@ -6655,7 +6727,7 @@
         </p:nvSpPr>
         <p:spPr>
           <a:xfrm>
-            <a:off x="5410200" y="4876800"/>
+            <a:off x="5715000" y="4648200"/>
             <a:ext cx="762000" cy="646331"/>
           </a:xfrm>
           <a:prstGeom prst="rect">
@@ -7151,41 +7223,6 @@
       </p:sp>
       <p:sp>
         <p:nvSpPr>
-          <p:cNvPr id="28" name="TextBox 27"/>
-          <p:cNvSpPr txBox="1"/>
-          <p:nvPr/>
-        </p:nvSpPr>
-        <p:spPr>
-          <a:xfrm>
-            <a:off x="6934200" y="228600"/>
-            <a:ext cx="1828800" cy="461665"/>
-          </a:xfrm>
-          <a:prstGeom prst="rect">
-            <a:avLst/>
-          </a:prstGeom>
-          <a:noFill/>
-        </p:spPr>
-        <p:txBody>
-          <a:bodyPr wrap="square" rtlCol="0">
-            <a:spAutoFit/>
-          </a:bodyPr>
-          <a:lstStyle/>
-          <a:p>
-            <a:pPr algn="r" rtl="1"/>
-            <a:r>
-              <a:rPr lang="he-IL" sz="1200" b="1" u="sng" dirty="0" smtClean="0"/>
-              <a:t>סטנדרטים: </a:t>
-            </a:r>
-            <a:r>
-              <a:rPr lang="he-IL" sz="1200" dirty="0" smtClean="0"/>
-              <a:t>לגבי קבלת הטבות ללקוחות</a:t>
-            </a:r>
-            <a:endParaRPr lang="en-US" sz="1200" b="1" u="sng" dirty="0"/>
-          </a:p>
-        </p:txBody>
-      </p:sp>
-      <p:sp>
-        <p:nvSpPr>
           <p:cNvPr id="29" name="TextBox 28"/>
           <p:cNvSpPr txBox="1"/>
           <p:nvPr/>
@@ -7285,7 +7322,7 @@
         </p:nvGrpSpPr>
         <p:grpSpPr>
           <a:xfrm>
-            <a:off x="7391400" y="4114800"/>
+            <a:off x="7391400" y="3886200"/>
             <a:ext cx="1219200" cy="457200"/>
             <a:chOff x="7391400" y="4343400"/>
             <a:chExt cx="1219200" cy="457200"/>
@@ -8264,8 +8301,8 @@
         </p:nvCxnSpPr>
         <p:spPr>
           <a:xfrm rot="10800000" flipV="1">
-            <a:off x="3352800" y="4414882"/>
-            <a:ext cx="2133600" cy="42818"/>
+            <a:off x="3352800" y="4262482"/>
+            <a:ext cx="2133600" cy="195218"/>
           </a:xfrm>
           <a:prstGeom prst="straightConnector1">
             <a:avLst/>
@@ -8373,7 +8410,7 @@
         <p:spPr>
           <a:xfrm rot="10800000">
             <a:off x="4800600" y="3962400"/>
-            <a:ext cx="685800" cy="452482"/>
+            <a:ext cx="685800" cy="300082"/>
           </a:xfrm>
           <a:prstGeom prst="straightConnector1">
             <a:avLst/>
@@ -8409,7 +8446,7 @@
         <p:spPr>
           <a:xfrm>
             <a:off x="3352800" y="4457700"/>
-            <a:ext cx="2057400" cy="1488133"/>
+            <a:ext cx="2133600" cy="1564333"/>
           </a:xfrm>
           <a:prstGeom prst="straightConnector1">
             <a:avLst/>
@@ -8586,8 +8623,8 @@
         </p:nvCxnSpPr>
         <p:spPr>
           <a:xfrm rot="16200000" flipV="1">
-            <a:off x="4190440" y="2247339"/>
-            <a:ext cx="949792" cy="2785129"/>
+            <a:off x="4266640" y="2171139"/>
+            <a:ext cx="797392" cy="2785129"/>
           </a:xfrm>
           <a:prstGeom prst="straightConnector1">
             <a:avLst/>
@@ -8693,8 +8730,8 @@
         </p:nvCxnSpPr>
         <p:spPr>
           <a:xfrm flipV="1">
-            <a:off x="6172200" y="4505045"/>
-            <a:ext cx="1462789" cy="694921"/>
+            <a:off x="6477000" y="4276445"/>
+            <a:ext cx="1157989" cy="694921"/>
           </a:xfrm>
           <a:prstGeom prst="straightConnector1">
             <a:avLst/>
@@ -8729,8 +8766,8 @@
         </p:nvCxnSpPr>
         <p:spPr>
           <a:xfrm flipV="1">
-            <a:off x="6096000" y="5419445"/>
-            <a:ext cx="1343866" cy="526388"/>
+            <a:off x="6172200" y="5419445"/>
+            <a:ext cx="1267666" cy="602588"/>
           </a:xfrm>
           <a:prstGeom prst="straightConnector1">
             <a:avLst/>
@@ -8764,7 +8801,7 @@
         </p:nvCxnSpPr>
         <p:spPr>
           <a:xfrm>
-            <a:off x="3352800" y="3048000"/>
+            <a:off x="3352800" y="2819400"/>
             <a:ext cx="4114800" cy="1295400"/>
           </a:xfrm>
           <a:prstGeom prst="straightConnector1">
@@ -9206,7 +9243,7 @@
         <p:spPr>
           <a:xfrm rot="10800000">
             <a:off x="4191000" y="4191000"/>
-            <a:ext cx="1219200" cy="1008966"/>
+            <a:ext cx="1524000" cy="780366"/>
           </a:xfrm>
           <a:prstGeom prst="straightConnector1">
             <a:avLst/>
@@ -9278,8 +9315,8 @@
         </p:nvCxnSpPr>
         <p:spPr>
           <a:xfrm flipV="1">
-            <a:off x="6096000" y="3731885"/>
-            <a:ext cx="1386589" cy="2213948"/>
+            <a:off x="6172200" y="3731885"/>
+            <a:ext cx="1310389" cy="2290148"/>
           </a:xfrm>
           <a:prstGeom prst="straightConnector1">
             <a:avLst/>
@@ -9520,7 +9557,15 @@
               <a:pPr algn="r" rtl="1"/>
               <a:r>
                 <a:rPr lang="he-IL" sz="1100" dirty="0" smtClean="0"/>
-                <a:t>אפיון עבודות שיבוץ</a:t>
+                <a:t>אפיון </a:t>
+              </a:r>
+              <a:r>
+                <a:rPr lang="he-IL" sz="1100" smtClean="0"/>
+                <a:t>עבודות </a:t>
+              </a:r>
+              <a:r>
+                <a:rPr lang="he-IL" sz="1100" smtClean="0"/>
+                <a:t>לקוח</a:t>
               </a:r>
               <a:endParaRPr lang="en-US" sz="1100" dirty="0"/>
             </a:p>
@@ -9610,8 +9655,8 @@
         </p:nvCxnSpPr>
         <p:spPr>
           <a:xfrm flipV="1">
-            <a:off x="3810000" y="4414882"/>
-            <a:ext cx="1676400" cy="766718"/>
+            <a:off x="3810000" y="4262482"/>
+            <a:ext cx="1676400" cy="919118"/>
           </a:xfrm>
           <a:prstGeom prst="straightConnector1">
             <a:avLst/>
@@ -9640,13 +9685,139 @@
           <p:cNvPr id="94" name="Straight Arrow Connector 93"/>
           <p:cNvCxnSpPr>
             <a:stCxn id="6" idx="3"/>
+            <a:endCxn id="21" idx="0"/>
           </p:cNvCxnSpPr>
           <p:nvPr/>
         </p:nvCxnSpPr>
         <p:spPr>
           <a:xfrm>
-            <a:off x="6629400" y="4414882"/>
-            <a:ext cx="838200" cy="690518"/>
+            <a:off x="6629400" y="4262482"/>
+            <a:ext cx="1295400" cy="766718"/>
+          </a:xfrm>
+          <a:prstGeom prst="straightConnector1">
+            <a:avLst/>
+          </a:prstGeom>
+          <a:ln>
+            <a:tailEnd type="arrow"/>
+          </a:ln>
+        </p:spPr>
+        <p:style>
+          <a:lnRef idx="1">
+            <a:schemeClr val="accent1"/>
+          </a:lnRef>
+          <a:fillRef idx="0">
+            <a:schemeClr val="accent1"/>
+          </a:fillRef>
+          <a:effectRef idx="0">
+            <a:schemeClr val="accent1"/>
+          </a:effectRef>
+          <a:fontRef idx="minor">
+            <a:schemeClr val="tx1"/>
+          </a:fontRef>
+        </p:style>
+      </p:cxnSp>
+      <p:grpSp>
+        <p:nvGrpSpPr>
+          <p:cNvPr id="131" name="Group 130"/>
+          <p:cNvGrpSpPr/>
+          <p:nvPr/>
+        </p:nvGrpSpPr>
+        <p:grpSpPr>
+          <a:xfrm>
+            <a:off x="7315200" y="5562600"/>
+            <a:ext cx="1066800" cy="457200"/>
+            <a:chOff x="3048000" y="3581400"/>
+            <a:chExt cx="1066800" cy="457200"/>
+          </a:xfrm>
+        </p:grpSpPr>
+        <p:sp>
+          <p:nvSpPr>
+            <p:cNvPr id="132" name="Oval 131"/>
+            <p:cNvSpPr/>
+            <p:nvPr/>
+          </p:nvSpPr>
+          <p:spPr>
+            <a:xfrm>
+              <a:off x="3200400" y="3581400"/>
+              <a:ext cx="914400" cy="457200"/>
+            </a:xfrm>
+            <a:prstGeom prst="ellipse">
+              <a:avLst/>
+            </a:prstGeom>
+            <a:solidFill>
+              <a:srgbClr val="FFC000"/>
+            </a:solidFill>
+          </p:spPr>
+          <p:style>
+            <a:lnRef idx="2">
+              <a:schemeClr val="accent1">
+                <a:shade val="50000"/>
+              </a:schemeClr>
+            </a:lnRef>
+            <a:fillRef idx="1">
+              <a:schemeClr val="accent1"/>
+            </a:fillRef>
+            <a:effectRef idx="0">
+              <a:schemeClr val="accent1"/>
+            </a:effectRef>
+            <a:fontRef idx="minor">
+              <a:schemeClr val="lt1"/>
+            </a:fontRef>
+          </p:style>
+          <p:txBody>
+            <a:bodyPr rtlCol="0" anchor="ctr"/>
+            <a:lstStyle/>
+            <a:p>
+              <a:pPr algn="ctr"/>
+              <a:endParaRPr lang="en-US"/>
+            </a:p>
+          </p:txBody>
+        </p:sp>
+        <p:sp>
+          <p:nvSpPr>
+            <p:cNvPr id="133" name="TextBox 132"/>
+            <p:cNvSpPr txBox="1"/>
+            <p:nvPr/>
+          </p:nvSpPr>
+          <p:spPr>
+            <a:xfrm>
+              <a:off x="3048000" y="3657600"/>
+              <a:ext cx="990600" cy="261610"/>
+            </a:xfrm>
+            <a:prstGeom prst="rect">
+              <a:avLst/>
+            </a:prstGeom>
+            <a:noFill/>
+          </p:spPr>
+          <p:txBody>
+            <a:bodyPr wrap="square" rtlCol="0">
+              <a:spAutoFit/>
+            </a:bodyPr>
+            <a:lstStyle/>
+            <a:p>
+              <a:pPr algn="r" rtl="1"/>
+              <a:r>
+                <a:rPr lang="he-IL" sz="1100" dirty="0" smtClean="0"/>
+                <a:t>דוח הטבות</a:t>
+              </a:r>
+              <a:endParaRPr lang="en-US" sz="1100" dirty="0"/>
+            </a:p>
+          </p:txBody>
+        </p:sp>
+      </p:grpSp>
+      <p:cxnSp>
+        <p:nvCxnSpPr>
+          <p:cNvPr id="135" name="Straight Arrow Connector 134"/>
+          <p:cNvCxnSpPr>
+            <a:stCxn id="17" idx="5"/>
+            <a:endCxn id="132" idx="2"/>
+          </p:cNvCxnSpPr>
+          <p:nvPr/>
+        </p:nvCxnSpPr>
+        <p:spPr>
+          <a:xfrm rot="16200000" flipH="1">
+            <a:off x="4775410" y="3099009"/>
+            <a:ext cx="1091033" cy="4293348"/>
           </a:xfrm>
           <a:prstGeom prst="straightConnector1">
             <a:avLst/>
